--- a/Document/발표자료/중간 프로젝트 발표.pptx
+++ b/Document/발표자료/중간 프로젝트 발표.pptx
@@ -226,7 +226,7 @@
                 <a:latin typeface="맑은 고딕" panose="020B0503020000020004" pitchFamily="50" charset="-127"/>
                 <a:ea typeface="맑은 고딕" panose="020B0503020000020004" pitchFamily="50" charset="-127"/>
               </a:rPr>
-              <a:t>2023-07-21</a:t>
+              <a:t>2023-08-11</a:t>
             </a:fld>
             <a:endParaRPr lang="ko-KR" altLang="en-US" dirty="0">
               <a:latin typeface="맑은 고딕" panose="020B0503020000020004" pitchFamily="50" charset="-127"/>
@@ -413,7 +413,7 @@
             <a:fld id="{C6D4BD08-001C-4DA3-A8F2-B1A0C43B0DFD}" type="datetime1">
               <a:rPr lang="ko-KR" altLang="en-US" smtClean="0"/>
               <a:pPr/>
-              <a:t>2023-07-21</a:t>
+              <a:t>2023-08-11</a:t>
             </a:fld>
             <a:endParaRPr lang="ko-KR" altLang="en-US" dirty="0"/>
           </a:p>
@@ -9670,7 +9670,7 @@
             <a:fld id="{20DA4868-5905-4D40-A3C7-A08A77FB381F}" type="datetime1">
               <a:rPr lang="ko-KR" altLang="en-US" smtClean="0"/>
               <a:pPr/>
-              <a:t>2023-07-21</a:t>
+              <a:t>2023-08-11</a:t>
             </a:fld>
             <a:endParaRPr lang="ko-KR" altLang="en-US" dirty="0"/>
           </a:p>
@@ -9880,7 +9880,7 @@
             <a:fld id="{A7059D92-5434-44F0-8311-BFCB0FE3ABFC}" type="datetime1">
               <a:rPr lang="ko-KR" altLang="en-US" smtClean="0"/>
               <a:pPr/>
-              <a:t>2023-07-21</a:t>
+              <a:t>2023-08-11</a:t>
             </a:fld>
             <a:endParaRPr lang="ko-KR" altLang="en-US" dirty="0"/>
           </a:p>
@@ -10104,7 +10104,7 @@
             <a:fld id="{2FB232E3-E22B-46B2-B042-7B0B4F3513F2}" type="datetime1">
               <a:rPr lang="ko-KR" altLang="en-US" smtClean="0"/>
               <a:pPr/>
-              <a:t>2023-07-21</a:t>
+              <a:t>2023-08-11</a:t>
             </a:fld>
             <a:endParaRPr lang="ko-KR" altLang="en-US" dirty="0"/>
           </a:p>
@@ -10325,7 +10325,7 @@
             <a:fld id="{9EFA091B-FB79-4832-BBA6-485BF4956E11}" type="datetime1">
               <a:rPr lang="ko-KR" altLang="en-US" smtClean="0"/>
               <a:pPr/>
-              <a:t>2023-07-21</a:t>
+              <a:t>2023-08-11</a:t>
             </a:fld>
             <a:endParaRPr lang="ko-KR" altLang="en-US" dirty="0"/>
           </a:p>
@@ -19226,7 +19226,7 @@
             <a:fld id="{5F31BFAB-5A50-4862-991D-7095D6C5D4BE}" type="datetime1">
               <a:rPr lang="ko-KR" altLang="en-US" smtClean="0"/>
               <a:pPr/>
-              <a:t>2023-07-21</a:t>
+              <a:t>2023-08-11</a:t>
             </a:fld>
             <a:endParaRPr lang="ko-KR" altLang="en-US" dirty="0"/>
           </a:p>
@@ -19503,7 +19503,7 @@
             <a:fld id="{A3BD5271-FEFE-4914-869C-5327720A295E}" type="datetime1">
               <a:rPr lang="ko-KR" altLang="en-US" smtClean="0"/>
               <a:pPr/>
-              <a:t>2023-07-21</a:t>
+              <a:t>2023-08-11</a:t>
             </a:fld>
             <a:endParaRPr lang="ko-KR" altLang="en-US" dirty="0"/>
           </a:p>
@@ -19904,7 +19904,7 @@
             <a:fld id="{6961C815-1148-4AA6-9F9C-F8BBBFBB10CA}" type="datetime1">
               <a:rPr lang="ko-KR" altLang="en-US" smtClean="0"/>
               <a:pPr/>
-              <a:t>2023-07-21</a:t>
+              <a:t>2023-08-11</a:t>
             </a:fld>
             <a:endParaRPr lang="ko-KR" altLang="en-US" dirty="0"/>
           </a:p>
@@ -20025,7 +20025,7 @@
             <a:fld id="{A47AA9F1-F81C-4105-8A81-06D610EC4B63}" type="datetime1">
               <a:rPr lang="ko-KR" altLang="en-US" smtClean="0"/>
               <a:pPr/>
-              <a:t>2023-07-21</a:t>
+              <a:t>2023-08-11</a:t>
             </a:fld>
             <a:endParaRPr lang="ko-KR" altLang="en-US" dirty="0"/>
           </a:p>
@@ -20122,7 +20122,7 @@
             <a:fld id="{1F487A97-1A80-4798-B672-85D6AB250DCF}" type="datetime1">
               <a:rPr lang="ko-KR" altLang="en-US" smtClean="0"/>
               <a:pPr/>
-              <a:t>2023-07-21</a:t>
+              <a:t>2023-08-11</a:t>
             </a:fld>
             <a:endParaRPr lang="ko-KR" altLang="en-US" dirty="0"/>
           </a:p>
@@ -20415,7 +20415,7 @@
             <a:fld id="{EE653310-AD94-41CD-AC0F-1501C4EA6D6F}" type="datetime1">
               <a:rPr lang="ko-KR" altLang="en-US" smtClean="0"/>
               <a:pPr/>
-              <a:t>2023-07-21</a:t>
+              <a:t>2023-08-11</a:t>
             </a:fld>
             <a:endParaRPr lang="en-US" dirty="0"/>
           </a:p>
@@ -20699,7 +20699,7 @@
             <a:fld id="{A9C485AE-A5AE-4102-AAA7-CE7177004C64}" type="datetime1">
               <a:rPr lang="ko-KR" altLang="en-US" smtClean="0"/>
               <a:pPr/>
-              <a:t>2023-07-21</a:t>
+              <a:t>2023-08-11</a:t>
             </a:fld>
             <a:endParaRPr lang="ko-KR" altLang="en-US" dirty="0"/>
           </a:p>
@@ -20951,7 +20951,7 @@
             <a:fld id="{55E25835-15BF-46FE-B0BD-ED10F3056879}" type="datetime1">
               <a:rPr lang="ko-KR" altLang="en-US" smtClean="0"/>
               <a:pPr/>
-              <a:t>2023-07-21</a:t>
+              <a:t>2023-08-11</a:t>
             </a:fld>
             <a:endParaRPr lang="ko-KR" altLang="en-US" dirty="0"/>
           </a:p>
@@ -21468,7 +21468,7 @@
                 <a16:creationId xmlns:a16="http://schemas.microsoft.com/office/drawing/2014/main" id="{2FDF0794-1B86-42B2-B8C7-F60123E638ED}"/>
               </a:ext>
               <a:ext uri="{C183D7F6-B498-43B3-948B-1728B52AA6E4}">
-                <adec:decorative xmlns="" xmlns:adec="http://schemas.microsoft.com/office/drawing/2017/decorative" val="1"/>
+                <adec:decorative xmlns:adec="http://schemas.microsoft.com/office/drawing/2017/decorative" xmlns="" val="1"/>
               </a:ext>
             </a:extLst>
           </p:cNvPr>
@@ -21534,7 +21534,7 @@
                 <a16:creationId xmlns:a16="http://schemas.microsoft.com/office/drawing/2014/main" id="{230BD1B1-AA22-48F1-B3ED-579CD284605D}"/>
               </a:ext>
               <a:ext uri="{C183D7F6-B498-43B3-948B-1728B52AA6E4}">
-                <adec:decorative xmlns="" xmlns:adec="http://schemas.microsoft.com/office/drawing/2017/decorative" val="1"/>
+                <adec:decorative xmlns:adec="http://schemas.microsoft.com/office/drawing/2017/decorative" xmlns="" val="1"/>
               </a:ext>
             </a:extLst>
           </p:cNvPr>
@@ -21566,7 +21566,7 @@
                 <a16:creationId xmlns:a16="http://schemas.microsoft.com/office/drawing/2014/main" id="{EAA48FC5-3C83-4F1B-BC33-DF0B588F8317}"/>
               </a:ext>
               <a:ext uri="{C183D7F6-B498-43B3-948B-1728B52AA6E4}">
-                <adec:decorative xmlns="" xmlns:adec="http://schemas.microsoft.com/office/drawing/2017/decorative" val="1"/>
+                <adec:decorative xmlns:adec="http://schemas.microsoft.com/office/drawing/2017/decorative" xmlns="" val="1"/>
               </a:ext>
             </a:extLst>
           </p:cNvPr>
@@ -21782,7 +21782,7 @@
                 <a16:creationId xmlns:a16="http://schemas.microsoft.com/office/drawing/2014/main" id="{62F01714-1A39-4194-BD47-8A9960C59985}"/>
               </a:ext>
               <a:ext uri="{C183D7F6-B498-43B3-948B-1728B52AA6E4}">
-                <adec:decorative xmlns="" xmlns:adec="http://schemas.microsoft.com/office/drawing/2017/decorative" val="1"/>
+                <adec:decorative xmlns:adec="http://schemas.microsoft.com/office/drawing/2017/decorative" xmlns="" val="1"/>
               </a:ext>
             </a:extLst>
           </p:cNvPr>
@@ -22688,11 +22688,7 @@
             </a:r>
             <a:r>
               <a:rPr lang="ko-KR" altLang="en-US" sz="4400" dirty="0" smtClean="0"/>
-              <a:t>프로젝트 </a:t>
-            </a:r>
-            <a:r>
-              <a:rPr lang="ko-KR" altLang="en-US" sz="4400" dirty="0" smtClean="0"/>
-              <a:t>소개</a:t>
+              <a:t>프로젝트 소개</a:t>
             </a:r>
             <a:endParaRPr lang="en-US" altLang="ko-KR" sz="4400" dirty="0" smtClean="0"/>
           </a:p>
@@ -23334,77 +23330,6 @@
             </a:p>
           </p:txBody>
         </p:sp>
-        <p:sp>
-          <p:nvSpPr>
-            <p:cNvPr id="8" name="모서리가 둥근 직사각형 7"/>
-            <p:cNvSpPr/>
-            <p:nvPr/>
-          </p:nvSpPr>
-          <p:spPr>
-            <a:xfrm>
-              <a:off x="4304779" y="1373051"/>
-              <a:ext cx="2194560" cy="1039091"/>
-            </a:xfrm>
-            <a:prstGeom prst="roundRect">
-              <a:avLst/>
-            </a:prstGeom>
-            <a:solidFill>
-              <a:schemeClr val="bg2"/>
-            </a:solidFill>
-            <a:ln>
-              <a:solidFill>
-                <a:schemeClr val="tx1"/>
-              </a:solidFill>
-            </a:ln>
-          </p:spPr>
-          <p:style>
-            <a:lnRef idx="2">
-              <a:schemeClr val="accent1">
-                <a:shade val="50000"/>
-              </a:schemeClr>
-            </a:lnRef>
-            <a:fillRef idx="1">
-              <a:schemeClr val="accent1"/>
-            </a:fillRef>
-            <a:effectRef idx="0">
-              <a:schemeClr val="accent1"/>
-            </a:effectRef>
-            <a:fontRef idx="minor">
-              <a:schemeClr val="lt1"/>
-            </a:fontRef>
-          </p:style>
-          <p:txBody>
-            <a:bodyPr rtlCol="0" anchor="ctr"/>
-            <a:lstStyle/>
-            <a:p>
-              <a:pPr algn="ctr"/>
-              <a:r>
-                <a:rPr lang="en-US" altLang="ko-KR" sz="2800" dirty="0" smtClean="0">
-                  <a:solidFill>
-                    <a:schemeClr val="tx1"/>
-                  </a:solidFill>
-                </a:rPr>
-                <a:t>Front</a:t>
-              </a:r>
-            </a:p>
-            <a:p>
-              <a:pPr algn="ctr"/>
-              <a:r>
-                <a:rPr lang="en-US" altLang="ko-KR" sz="2800" dirty="0" smtClean="0">
-                  <a:solidFill>
-                    <a:schemeClr val="tx1"/>
-                  </a:solidFill>
-                </a:rPr>
-                <a:t>Controller</a:t>
-              </a:r>
-              <a:endParaRPr lang="ko-KR" altLang="en-US" sz="2800" dirty="0">
-                <a:solidFill>
-                  <a:schemeClr val="tx1"/>
-                </a:solidFill>
-              </a:endParaRPr>
-            </a:p>
-          </p:txBody>
-        </p:sp>
         <p:grpSp>
           <p:nvGrpSpPr>
             <p:cNvPr id="9" name="그룹 8"/>
@@ -23413,10 +23338,10 @@
           </p:nvGrpSpPr>
           <p:grpSpPr>
             <a:xfrm>
-              <a:off x="2542481" y="2420455"/>
-              <a:ext cx="1762298" cy="1520953"/>
-              <a:chOff x="2528455" y="3196243"/>
-              <a:chExt cx="1762298" cy="1520953"/>
+              <a:off x="2582137" y="1085789"/>
+              <a:ext cx="1762298" cy="1455222"/>
+              <a:chOff x="2568111" y="1861577"/>
+              <a:chExt cx="1762298" cy="1455222"/>
             </a:xfrm>
           </p:grpSpPr>
           <p:sp>
@@ -23427,7 +23352,7 @@
             </p:nvSpPr>
             <p:spPr>
               <a:xfrm>
-                <a:off x="3068782" y="3196243"/>
+                <a:off x="3068782" y="2626843"/>
                 <a:ext cx="681644" cy="689956"/>
               </a:xfrm>
               <a:prstGeom prst="ellipse">
@@ -23470,7 +23395,7 @@
             </p:nvSpPr>
             <p:spPr>
               <a:xfrm>
-                <a:off x="2528455" y="3886199"/>
+                <a:off x="2568111" y="1861577"/>
                 <a:ext cx="1762298" cy="830997"/>
               </a:xfrm>
               <a:prstGeom prst="rect">
@@ -23509,7 +23434,7 @@
           </p:nvSpPr>
           <p:spPr>
             <a:xfrm>
-              <a:off x="4304779" y="4467926"/>
+              <a:off x="4382706" y="2632334"/>
               <a:ext cx="2194560" cy="1039091"/>
             </a:xfrm>
             <a:prstGeom prst="roundRect">
@@ -23751,8 +23676,8 @@
           </p:nvCxnSpPr>
           <p:spPr>
             <a:xfrm flipV="1">
-              <a:off x="2014793" y="2765433"/>
-              <a:ext cx="1068015" cy="247833"/>
+              <a:off x="2014793" y="2196033"/>
+              <a:ext cx="1068015" cy="833891"/>
             </a:xfrm>
             <a:prstGeom prst="straightConnector1">
               <a:avLst/>
@@ -23779,39 +23704,6 @@
         <p:cxnSp>
           <p:nvCxnSpPr>
             <p:cNvPr id="15" name="직선 화살표 연결선 14"/>
-            <p:cNvCxnSpPr/>
-            <p:nvPr/>
-          </p:nvCxnSpPr>
-          <p:spPr>
-            <a:xfrm flipV="1">
-              <a:off x="3609196" y="1917370"/>
-              <a:ext cx="705111" cy="576351"/>
-            </a:xfrm>
-            <a:prstGeom prst="straightConnector1">
-              <a:avLst/>
-            </a:prstGeom>
-            <a:ln>
-              <a:tailEnd type="triangle"/>
-            </a:ln>
-          </p:spPr>
-          <p:style>
-            <a:lnRef idx="3">
-              <a:schemeClr val="accent1"/>
-            </a:lnRef>
-            <a:fillRef idx="0">
-              <a:schemeClr val="accent1"/>
-            </a:fillRef>
-            <a:effectRef idx="2">
-              <a:schemeClr val="accent1"/>
-            </a:effectRef>
-            <a:fontRef idx="minor">
-              <a:schemeClr val="tx1"/>
-            </a:fontRef>
-          </p:style>
-        </p:cxnSp>
-        <p:cxnSp>
-          <p:nvCxnSpPr>
-            <p:cNvPr id="16" name="직선 화살표 연결선 15"/>
             <p:cNvCxnSpPr>
               <a:endCxn id="10" idx="0"/>
             </p:cNvCxnSpPr>
@@ -23819,8 +23711,8 @@
           </p:nvCxnSpPr>
           <p:spPr>
             <a:xfrm>
-              <a:off x="5402059" y="2419171"/>
-              <a:ext cx="0" cy="2048755"/>
+              <a:off x="3776628" y="2154565"/>
+              <a:ext cx="1703358" cy="477769"/>
             </a:xfrm>
             <a:prstGeom prst="straightConnector1">
               <a:avLst/>
@@ -23851,9 +23743,9 @@
             <p:nvPr/>
           </p:nvCxnSpPr>
           <p:spPr>
-            <a:xfrm flipV="1">
-              <a:off x="6499339" y="4164676"/>
-              <a:ext cx="929555" cy="637919"/>
+            <a:xfrm>
+              <a:off x="5605591" y="3690784"/>
+              <a:ext cx="1818403" cy="619169"/>
             </a:xfrm>
             <a:prstGeom prst="straightConnector1">
               <a:avLst/>
@@ -24188,9 +24080,9 @@
             <p:nvPr/>
           </p:nvCxnSpPr>
           <p:spPr>
-            <a:xfrm flipH="1">
-              <a:off x="6499339" y="4467926"/>
-              <a:ext cx="933322" cy="669339"/>
+            <a:xfrm flipH="1" flipV="1">
+              <a:off x="5222631" y="3690784"/>
+              <a:ext cx="2210030" cy="777142"/>
             </a:xfrm>
             <a:prstGeom prst="straightConnector1">
               <a:avLst/>
@@ -24220,13 +24112,16 @@
         <p:cxnSp>
           <p:nvCxnSpPr>
             <p:cNvPr id="24" name="직선 화살표 연결선 23"/>
-            <p:cNvCxnSpPr/>
+            <p:cNvCxnSpPr>
+              <a:stCxn id="10" idx="1"/>
+              <a:endCxn id="7" idx="3"/>
+            </p:cNvCxnSpPr>
             <p:nvPr/>
           </p:nvCxnSpPr>
           <p:spPr>
-            <a:xfrm flipH="1" flipV="1">
-              <a:off x="2014793" y="3348013"/>
-              <a:ext cx="2289986" cy="1636823"/>
+            <a:xfrm flipH="1">
+              <a:off x="2014793" y="3151880"/>
+              <a:ext cx="2367913" cy="29052"/>
             </a:xfrm>
             <a:prstGeom prst="straightConnector1">
               <a:avLst/>
@@ -24254,6 +24149,296 @@
           </p:style>
         </p:cxnSp>
       </p:grpSp>
+      <p:sp>
+        <p:nvSpPr>
+          <p:cNvPr id="33" name="타원 32"/>
+          <p:cNvSpPr/>
+          <p:nvPr/>
+        </p:nvSpPr>
+        <p:spPr>
+          <a:xfrm>
+            <a:off x="8064578" y="3180932"/>
+            <a:ext cx="923192" cy="393541"/>
+          </a:xfrm>
+          <a:prstGeom prst="ellipse">
+            <a:avLst/>
+          </a:prstGeom>
+          <a:solidFill>
+            <a:schemeClr val="accent4">
+              <a:lumMod val="40000"/>
+              <a:lumOff val="60000"/>
+            </a:schemeClr>
+          </a:solidFill>
+        </p:spPr>
+        <p:style>
+          <a:lnRef idx="2">
+            <a:schemeClr val="accent1">
+              <a:shade val="50000"/>
+            </a:schemeClr>
+          </a:lnRef>
+          <a:fillRef idx="1">
+            <a:schemeClr val="accent1"/>
+          </a:fillRef>
+          <a:effectRef idx="0">
+            <a:schemeClr val="accent1"/>
+          </a:effectRef>
+          <a:fontRef idx="minor">
+            <a:schemeClr val="lt1"/>
+          </a:fontRef>
+        </p:style>
+        <p:txBody>
+          <a:bodyPr rtlCol="0" anchor="ctr"/>
+          <a:lstStyle/>
+          <a:p>
+            <a:pPr algn="ctr"/>
+            <a:r>
+              <a:rPr lang="en-US" altLang="ko-KR" dirty="0" smtClean="0">
+                <a:solidFill>
+                  <a:schemeClr val="tx1"/>
+                </a:solidFill>
+              </a:rPr>
+              <a:t>DTO</a:t>
+            </a:r>
+            <a:endParaRPr lang="ko-KR" altLang="en-US" dirty="0">
+              <a:solidFill>
+                <a:schemeClr val="tx1"/>
+              </a:solidFill>
+            </a:endParaRPr>
+          </a:p>
+        </p:txBody>
+      </p:sp>
+      <p:sp>
+        <p:nvSpPr>
+          <p:cNvPr id="34" name="타원 33"/>
+          <p:cNvSpPr/>
+          <p:nvPr/>
+        </p:nvSpPr>
+        <p:spPr>
+          <a:xfrm>
+            <a:off x="2743879" y="3806424"/>
+            <a:ext cx="923192" cy="393541"/>
+          </a:xfrm>
+          <a:prstGeom prst="ellipse">
+            <a:avLst/>
+          </a:prstGeom>
+          <a:solidFill>
+            <a:schemeClr val="accent4">
+              <a:lumMod val="40000"/>
+              <a:lumOff val="60000"/>
+            </a:schemeClr>
+          </a:solidFill>
+        </p:spPr>
+        <p:style>
+          <a:lnRef idx="2">
+            <a:schemeClr val="accent1">
+              <a:shade val="50000"/>
+            </a:schemeClr>
+          </a:lnRef>
+          <a:fillRef idx="1">
+            <a:schemeClr val="accent1"/>
+          </a:fillRef>
+          <a:effectRef idx="0">
+            <a:schemeClr val="accent1"/>
+          </a:effectRef>
+          <a:fontRef idx="minor">
+            <a:schemeClr val="lt1"/>
+          </a:fontRef>
+        </p:style>
+        <p:txBody>
+          <a:bodyPr rtlCol="0" anchor="ctr"/>
+          <a:lstStyle/>
+          <a:p>
+            <a:pPr algn="ctr"/>
+            <a:r>
+              <a:rPr lang="en-US" altLang="ko-KR" sz="1200" dirty="0" smtClean="0">
+                <a:solidFill>
+                  <a:schemeClr val="tx1"/>
+                </a:solidFill>
+              </a:rPr>
+              <a:t>Scope</a:t>
+            </a:r>
+            <a:endParaRPr lang="ko-KR" altLang="en-US" sz="1200" dirty="0">
+              <a:solidFill>
+                <a:schemeClr val="tx1"/>
+              </a:solidFill>
+            </a:endParaRPr>
+          </a:p>
+        </p:txBody>
+      </p:sp>
+      <p:sp>
+        <p:nvSpPr>
+          <p:cNvPr id="35" name="타원 34"/>
+          <p:cNvSpPr/>
+          <p:nvPr/>
+        </p:nvSpPr>
+        <p:spPr>
+          <a:xfrm>
+            <a:off x="5984395" y="3839162"/>
+            <a:ext cx="923192" cy="393541"/>
+          </a:xfrm>
+          <a:prstGeom prst="ellipse">
+            <a:avLst/>
+          </a:prstGeom>
+          <a:solidFill>
+            <a:schemeClr val="accent4">
+              <a:lumMod val="40000"/>
+              <a:lumOff val="60000"/>
+            </a:schemeClr>
+          </a:solidFill>
+        </p:spPr>
+        <p:style>
+          <a:lnRef idx="2">
+            <a:schemeClr val="accent1">
+              <a:shade val="50000"/>
+            </a:schemeClr>
+          </a:lnRef>
+          <a:fillRef idx="1">
+            <a:schemeClr val="accent1"/>
+          </a:fillRef>
+          <a:effectRef idx="0">
+            <a:schemeClr val="accent1"/>
+          </a:effectRef>
+          <a:fontRef idx="minor">
+            <a:schemeClr val="lt1"/>
+          </a:fontRef>
+        </p:style>
+        <p:txBody>
+          <a:bodyPr rtlCol="0" anchor="ctr"/>
+          <a:lstStyle/>
+          <a:p>
+            <a:pPr algn="ctr"/>
+            <a:r>
+              <a:rPr lang="en-US" altLang="ko-KR" sz="1400" dirty="0" smtClean="0">
+                <a:solidFill>
+                  <a:schemeClr val="tx1"/>
+                </a:solidFill>
+              </a:rPr>
+              <a:t>JSON</a:t>
+            </a:r>
+            <a:endParaRPr lang="ko-KR" altLang="en-US" sz="1400" dirty="0">
+              <a:solidFill>
+                <a:schemeClr val="tx1"/>
+              </a:solidFill>
+            </a:endParaRPr>
+          </a:p>
+        </p:txBody>
+      </p:sp>
+      <p:sp>
+        <p:nvSpPr>
+          <p:cNvPr id="36" name="타원 35"/>
+          <p:cNvSpPr/>
+          <p:nvPr/>
+        </p:nvSpPr>
+        <p:spPr>
+          <a:xfrm>
+            <a:off x="2743879" y="3301320"/>
+            <a:ext cx="923192" cy="393541"/>
+          </a:xfrm>
+          <a:prstGeom prst="ellipse">
+            <a:avLst/>
+          </a:prstGeom>
+          <a:solidFill>
+            <a:schemeClr val="accent4">
+              <a:lumMod val="40000"/>
+              <a:lumOff val="60000"/>
+            </a:schemeClr>
+          </a:solidFill>
+        </p:spPr>
+        <p:style>
+          <a:lnRef idx="2">
+            <a:schemeClr val="accent1">
+              <a:shade val="50000"/>
+            </a:schemeClr>
+          </a:lnRef>
+          <a:fillRef idx="1">
+            <a:schemeClr val="accent1"/>
+          </a:fillRef>
+          <a:effectRef idx="0">
+            <a:schemeClr val="accent1"/>
+          </a:effectRef>
+          <a:fontRef idx="minor">
+            <a:schemeClr val="lt1"/>
+          </a:fontRef>
+        </p:style>
+        <p:txBody>
+          <a:bodyPr rtlCol="0" anchor="ctr"/>
+          <a:lstStyle/>
+          <a:p>
+            <a:pPr algn="ctr"/>
+            <a:r>
+              <a:rPr lang="en-US" altLang="ko-KR" sz="1400" dirty="0" smtClean="0">
+                <a:solidFill>
+                  <a:schemeClr val="tx1"/>
+                </a:solidFill>
+              </a:rPr>
+              <a:t>JSON</a:t>
+            </a:r>
+            <a:endParaRPr lang="ko-KR" altLang="en-US" sz="1400" dirty="0">
+              <a:solidFill>
+                <a:schemeClr val="tx1"/>
+              </a:solidFill>
+            </a:endParaRPr>
+          </a:p>
+        </p:txBody>
+      </p:sp>
+      <p:sp>
+        <p:nvSpPr>
+          <p:cNvPr id="37" name="타원 36"/>
+          <p:cNvSpPr/>
+          <p:nvPr/>
+        </p:nvSpPr>
+        <p:spPr>
+          <a:xfrm>
+            <a:off x="1909664" y="1592909"/>
+            <a:ext cx="923192" cy="393541"/>
+          </a:xfrm>
+          <a:prstGeom prst="ellipse">
+            <a:avLst/>
+          </a:prstGeom>
+          <a:solidFill>
+            <a:schemeClr val="accent4">
+              <a:lumMod val="40000"/>
+              <a:lumOff val="60000"/>
+            </a:schemeClr>
+          </a:solidFill>
+        </p:spPr>
+        <p:style>
+          <a:lnRef idx="2">
+            <a:schemeClr val="accent1">
+              <a:shade val="50000"/>
+            </a:schemeClr>
+          </a:lnRef>
+          <a:fillRef idx="1">
+            <a:schemeClr val="accent1"/>
+          </a:fillRef>
+          <a:effectRef idx="0">
+            <a:schemeClr val="accent1"/>
+          </a:effectRef>
+          <a:fontRef idx="minor">
+            <a:schemeClr val="lt1"/>
+          </a:fontRef>
+        </p:style>
+        <p:txBody>
+          <a:bodyPr rtlCol="0" anchor="ctr"/>
+          <a:lstStyle/>
+          <a:p>
+            <a:pPr algn="ctr"/>
+            <a:r>
+              <a:rPr lang="en-US" altLang="ko-KR" sz="1400" dirty="0" smtClean="0">
+                <a:solidFill>
+                  <a:schemeClr val="tx1"/>
+                </a:solidFill>
+              </a:rPr>
+              <a:t>JSON</a:t>
+            </a:r>
+            <a:endParaRPr lang="ko-KR" altLang="en-US" sz="1400" dirty="0">
+              <a:solidFill>
+                <a:schemeClr val="tx1"/>
+              </a:solidFill>
+            </a:endParaRPr>
+          </a:p>
+        </p:txBody>
+      </p:sp>
     </p:spTree>
     <p:extLst>
       <p:ext uri="{BB962C8B-B14F-4D97-AF65-F5344CB8AC3E}">
@@ -25146,6 +25331,14 @@
 </file>
 
 <file path=customXml/item1.xml><?xml version="1.0" encoding="utf-8"?>
+<p:properties xmlns:p="http://schemas.microsoft.com/office/2006/metadata/properties" xmlns:xsi="http://www.w3.org/2001/XMLSchema-instance" xmlns:pc="http://schemas.microsoft.com/office/infopath/2007/PartnerControls">
+  <documentManagement>
+    <MediaServiceKeyPoints xmlns="71af3243-3dd4-4a8d-8c0d-dd76da1f02a5" xsi:nil="true"/>
+  </documentManagement>
+</p:properties>
+</file>
+
+<file path=customXml/item2.xml><?xml version="1.0" encoding="utf-8"?>
 <ct:contentTypeSchema xmlns:ct="http://schemas.microsoft.com/office/2006/metadata/contentType" xmlns:ma="http://schemas.microsoft.com/office/2006/metadata/properties/metaAttributes" ct:_="" ma:_="" ma:contentTypeName="Document" ma:contentTypeID="0x01010079F111ED35F8CC479449609E8A0923A6" ma:contentTypeVersion="11" ma:contentTypeDescription="Create a new document." ma:contentTypeScope="" ma:versionID="9677210f24a1be23c92c90fd886aa0aa">
   <xsd:schema xmlns:xsd="http://www.w3.org/2001/XMLSchema" xmlns:xs="http://www.w3.org/2001/XMLSchema" xmlns:p="http://schemas.microsoft.com/office/2006/metadata/properties" xmlns:ns2="71af3243-3dd4-4a8d-8c0d-dd76da1f02a5" xmlns:ns3="16c05727-aa75-4e4a-9b5f-8a80a1165891" targetNamespace="http://schemas.microsoft.com/office/2006/metadata/properties" ma:root="true" ma:fieldsID="60e05723c5c1908df1a1a4ebf11d344e" ns2:_="" ns3:_="">
     <xsd:import namespace="71af3243-3dd4-4a8d-8c0d-dd76da1f02a5"/>
@@ -25356,14 +25549,6 @@
 </ct:contentTypeSchema>
 </file>
 
-<file path=customXml/item2.xml><?xml version="1.0" encoding="utf-8"?>
-<p:properties xmlns:p="http://schemas.microsoft.com/office/2006/metadata/properties" xmlns:xsi="http://www.w3.org/2001/XMLSchema-instance" xmlns:pc="http://schemas.microsoft.com/office/infopath/2007/PartnerControls">
-  <documentManagement>
-    <MediaServiceKeyPoints xmlns="71af3243-3dd4-4a8d-8c0d-dd76da1f02a5" xsi:nil="true"/>
-  </documentManagement>
-</p:properties>
-</file>
-
 <file path=customXml/item3.xml><?xml version="1.0" encoding="utf-8"?>
 <?mso-contentType ?>
 <FormTemplates xmlns="http://schemas.microsoft.com/sharepoint/v3/contenttype/forms">
@@ -25374,6 +25559,16 @@
 </file>
 
 <file path=customXml/itemProps1.xml><?xml version="1.0" encoding="utf-8"?>
+<ds:datastoreItem xmlns:ds="http://schemas.openxmlformats.org/officeDocument/2006/customXml" ds:itemID="{788A2F88-55C5-4ED1-9541-807C65424763}">
+  <ds:schemaRefs>
+    <ds:schemaRef ds:uri="http://schemas.microsoft.com/office/2006/metadata/properties"/>
+    <ds:schemaRef ds:uri="http://schemas.microsoft.com/office/infopath/2007/PartnerControls"/>
+    <ds:schemaRef ds:uri="71af3243-3dd4-4a8d-8c0d-dd76da1f02a5"/>
+  </ds:schemaRefs>
+</ds:datastoreItem>
+</file>
+
+<file path=customXml/itemProps2.xml><?xml version="1.0" encoding="utf-8"?>
 <ds:datastoreItem xmlns:ds="http://schemas.openxmlformats.org/officeDocument/2006/customXml" ds:itemID="{B61EAB5F-88FC-4FAE-AE3C-037A3C365EB8}">
   <ds:schemaRefs>
     <ds:schemaRef ds:uri="http://schemas.microsoft.com/office/2006/metadata/contentType"/>
@@ -25392,16 +25587,6 @@
 </ds:datastoreItem>
 </file>
 
-<file path=customXml/itemProps2.xml><?xml version="1.0" encoding="utf-8"?>
-<ds:datastoreItem xmlns:ds="http://schemas.openxmlformats.org/officeDocument/2006/customXml" ds:itemID="{788A2F88-55C5-4ED1-9541-807C65424763}">
-  <ds:schemaRefs>
-    <ds:schemaRef ds:uri="http://schemas.microsoft.com/office/2006/metadata/properties"/>
-    <ds:schemaRef ds:uri="http://schemas.microsoft.com/office/infopath/2007/PartnerControls"/>
-    <ds:schemaRef ds:uri="71af3243-3dd4-4a8d-8c0d-dd76da1f02a5"/>
-  </ds:schemaRefs>
-</ds:datastoreItem>
-</file>
-
 <file path=customXml/itemProps3.xml><?xml version="1.0" encoding="utf-8"?>
 <ds:datastoreItem xmlns:ds="http://schemas.openxmlformats.org/officeDocument/2006/customXml" ds:itemID="{4F44C90D-2A62-4985-9618-3460247437B1}">
   <ds:schemaRefs>
